--- a/Xamarin_Layouts.pptx
+++ b/Xamarin_Layouts.pptx
@@ -109,7 +109,16 @@
       </a:defRPr>
     </a:lvl9pPr>
   </p:defaultTextStyle>
+  <p:extLst>
+    <p:ext uri="{EFAFB233-063F-42B5-8137-9DF3F51BA10A}">
+      <p15:sldGuideLst xmlns:p15="http://schemas.microsoft.com/office/powerpoint/2012/main"/>
+    </p:ext>
+  </p:extLst>
 </p:presentation>
+</file>
+
+<file path=ppt/revisionInfo.xml><?xml version="1.0" encoding="utf-8"?>
+<p1510:revInfo xmlns:a="http://schemas.openxmlformats.org/drawingml/2006/main" xmlns:r="http://schemas.openxmlformats.org/officeDocument/2006/relationships" xmlns:p1510="http://schemas.microsoft.com/office/powerpoint/2015/10/main"/>
 </file>
 
 <file path=ppt/slideLayouts/slideLayout1.xml><?xml version="1.0" encoding="utf-8"?>
@@ -6115,6 +6124,16 @@
             </a:r>
             <a:endParaRPr lang="nl-NL" dirty="0"/>
           </a:p>
+          <a:p>
+            <a:r>
+              <a:rPr lang="nl-NL"/>
+              <a:t>XAML</a:t>
+            </a:r>
+            <a:endParaRPr lang="nl-NL" dirty="0"/>
+          </a:p>
+          <a:p>
+            <a:endParaRPr lang="nl-NL" dirty="0"/>
+          </a:p>
         </p:txBody>
       </p:sp>
       <p:pic>
@@ -6139,8 +6158,8 @@
         </p:blipFill>
         <p:spPr>
           <a:xfrm>
-            <a:off x="781050" y="3147108"/>
-            <a:ext cx="8096250" cy="3492756"/>
+            <a:off x="763466" y="3365244"/>
+            <a:ext cx="6560527" cy="3492756"/>
           </a:xfrm>
           <a:prstGeom prst="rect">
             <a:avLst/>
